--- a/ppt 16-9/1458.来做礼拜像只.pptx
+++ b/ppt 16-9/1458.来做礼拜像只.pptx
@@ -129,7 +129,7 @@
           <p:cNvPr id="2" name="标题 1">
             <a:extLst>
               <a:ext uri="{FF2B5EF4-FFF2-40B4-BE49-F238E27FC236}">
-                <a16:creationId xmlns:a16="http://schemas.microsoft.com/office/drawing/2014/main" id="{47BC9AB1-C580-8A95-4801-EFFE06647423}"/>
+                <a16:creationId xmlns:a16="http://schemas.microsoft.com/office/drawing/2014/main" id="{BEB1D2D1-B410-A065-3A48-0E425A796726}"/>
               </a:ext>
             </a:extLst>
           </p:cNvPr>
@@ -166,7 +166,7 @@
           <p:cNvPr id="3" name="副标题 2">
             <a:extLst>
               <a:ext uri="{FF2B5EF4-FFF2-40B4-BE49-F238E27FC236}">
-                <a16:creationId xmlns:a16="http://schemas.microsoft.com/office/drawing/2014/main" id="{BA38A660-B534-79B1-D8AE-77BDE7904B2E}"/>
+                <a16:creationId xmlns:a16="http://schemas.microsoft.com/office/drawing/2014/main" id="{1CB6A664-34B5-327E-2219-4183E0E7034B}"/>
               </a:ext>
             </a:extLst>
           </p:cNvPr>
@@ -236,7 +236,7 @@
           <p:cNvPr id="4" name="日期占位符 3">
             <a:extLst>
               <a:ext uri="{FF2B5EF4-FFF2-40B4-BE49-F238E27FC236}">
-                <a16:creationId xmlns:a16="http://schemas.microsoft.com/office/drawing/2014/main" id="{E8602D25-415D-DC35-8A42-F15F59A565C9}"/>
+                <a16:creationId xmlns:a16="http://schemas.microsoft.com/office/drawing/2014/main" id="{85A28B74-B12C-9D6D-94DC-FE3812B418F4}"/>
               </a:ext>
             </a:extLst>
           </p:cNvPr>
@@ -252,7 +252,7 @@
           <a:bodyPr/>
           <a:lstStyle/>
           <a:p>
-            <a:fld id="{E44F8706-D01F-4043-884B-C4D0C18BB98A}" type="datetimeFigureOut">
+            <a:fld id="{7299DF78-1806-4290-84D7-8F365ED437D2}" type="datetimeFigureOut">
               <a:rPr lang="zh-CN" altLang="en-US" smtClean="0"/>
               <a:t>2024/3/10</a:t>
             </a:fld>
@@ -265,7 +265,7 @@
           <p:cNvPr id="5" name="页脚占位符 4">
             <a:extLst>
               <a:ext uri="{FF2B5EF4-FFF2-40B4-BE49-F238E27FC236}">
-                <a16:creationId xmlns:a16="http://schemas.microsoft.com/office/drawing/2014/main" id="{64E83338-8173-8456-06AE-99000B6B761D}"/>
+                <a16:creationId xmlns:a16="http://schemas.microsoft.com/office/drawing/2014/main" id="{7ECD0762-C8CF-A8EC-034B-5E5C5B3F791C}"/>
               </a:ext>
             </a:extLst>
           </p:cNvPr>
@@ -290,7 +290,7 @@
           <p:cNvPr id="6" name="灯片编号占位符 5">
             <a:extLst>
               <a:ext uri="{FF2B5EF4-FFF2-40B4-BE49-F238E27FC236}">
-                <a16:creationId xmlns:a16="http://schemas.microsoft.com/office/drawing/2014/main" id="{3C5A0027-611B-611A-82DD-744F47595D02}"/>
+                <a16:creationId xmlns:a16="http://schemas.microsoft.com/office/drawing/2014/main" id="{7F11F7CD-7A04-8B7A-7608-ECE85AEC1B26}"/>
               </a:ext>
             </a:extLst>
           </p:cNvPr>
@@ -306,7 +306,7 @@
           <a:bodyPr/>
           <a:lstStyle/>
           <a:p>
-            <a:fld id="{4F0D6C86-077F-42CB-94B2-8D628BDF29EE}" type="slidenum">
+            <a:fld id="{D5E93B1A-0ACD-4B57-A05D-CF9C032A5760}" type="slidenum">
               <a:rPr lang="zh-CN" altLang="en-US" smtClean="0"/>
               <a:t>‹#›</a:t>
             </a:fld>
@@ -317,7 +317,7 @@
     </p:spTree>
     <p:extLst>
       <p:ext uri="{BB962C8B-B14F-4D97-AF65-F5344CB8AC3E}">
-        <p14:creationId xmlns:p14="http://schemas.microsoft.com/office/powerpoint/2010/main" val="461600196"/>
+        <p14:creationId xmlns:p14="http://schemas.microsoft.com/office/powerpoint/2010/main" val="1693070974"/>
       </p:ext>
     </p:extLst>
   </p:cSld>
@@ -349,7 +349,7 @@
           <p:cNvPr id="2" name="标题 1">
             <a:extLst>
               <a:ext uri="{FF2B5EF4-FFF2-40B4-BE49-F238E27FC236}">
-                <a16:creationId xmlns:a16="http://schemas.microsoft.com/office/drawing/2014/main" id="{AC5A13EC-586F-E332-93E4-C776D26F4477}"/>
+                <a16:creationId xmlns:a16="http://schemas.microsoft.com/office/drawing/2014/main" id="{5D3F7078-D372-1EAF-27EE-B36916A84506}"/>
               </a:ext>
             </a:extLst>
           </p:cNvPr>
@@ -377,7 +377,7 @@
           <p:cNvPr id="3" name="竖排文字占位符 2">
             <a:extLst>
               <a:ext uri="{FF2B5EF4-FFF2-40B4-BE49-F238E27FC236}">
-                <a16:creationId xmlns:a16="http://schemas.microsoft.com/office/drawing/2014/main" id="{1421A295-A425-9A50-A31E-4D8A5863B4E9}"/>
+                <a16:creationId xmlns:a16="http://schemas.microsoft.com/office/drawing/2014/main" id="{E15E661A-3684-8379-4755-DADFAE83768E}"/>
               </a:ext>
             </a:extLst>
           </p:cNvPr>
@@ -434,7 +434,7 @@
           <p:cNvPr id="4" name="日期占位符 3">
             <a:extLst>
               <a:ext uri="{FF2B5EF4-FFF2-40B4-BE49-F238E27FC236}">
-                <a16:creationId xmlns:a16="http://schemas.microsoft.com/office/drawing/2014/main" id="{4AD6276A-A792-648D-F1C2-D029528E1BFB}"/>
+                <a16:creationId xmlns:a16="http://schemas.microsoft.com/office/drawing/2014/main" id="{1D273D83-B19C-0680-8D61-AFBBBF90C3F4}"/>
               </a:ext>
             </a:extLst>
           </p:cNvPr>
@@ -450,7 +450,7 @@
           <a:bodyPr/>
           <a:lstStyle/>
           <a:p>
-            <a:fld id="{E44F8706-D01F-4043-884B-C4D0C18BB98A}" type="datetimeFigureOut">
+            <a:fld id="{7299DF78-1806-4290-84D7-8F365ED437D2}" type="datetimeFigureOut">
               <a:rPr lang="zh-CN" altLang="en-US" smtClean="0"/>
               <a:t>2024/3/10</a:t>
             </a:fld>
@@ -463,7 +463,7 @@
           <p:cNvPr id="5" name="页脚占位符 4">
             <a:extLst>
               <a:ext uri="{FF2B5EF4-FFF2-40B4-BE49-F238E27FC236}">
-                <a16:creationId xmlns:a16="http://schemas.microsoft.com/office/drawing/2014/main" id="{0659728C-BAC4-3DA2-A9DB-329884A1C32F}"/>
+                <a16:creationId xmlns:a16="http://schemas.microsoft.com/office/drawing/2014/main" id="{A422ECB7-1EB5-A166-15A9-CA26B6B16945}"/>
               </a:ext>
             </a:extLst>
           </p:cNvPr>
@@ -488,7 +488,7 @@
           <p:cNvPr id="6" name="灯片编号占位符 5">
             <a:extLst>
               <a:ext uri="{FF2B5EF4-FFF2-40B4-BE49-F238E27FC236}">
-                <a16:creationId xmlns:a16="http://schemas.microsoft.com/office/drawing/2014/main" id="{DA7CF200-E67B-E436-7471-56E3A68AB7D4}"/>
+                <a16:creationId xmlns:a16="http://schemas.microsoft.com/office/drawing/2014/main" id="{5961BD5B-26EB-71B0-4011-70E0FCFD75D0}"/>
               </a:ext>
             </a:extLst>
           </p:cNvPr>
@@ -504,7 +504,7 @@
           <a:bodyPr/>
           <a:lstStyle/>
           <a:p>
-            <a:fld id="{4F0D6C86-077F-42CB-94B2-8D628BDF29EE}" type="slidenum">
+            <a:fld id="{D5E93B1A-0ACD-4B57-A05D-CF9C032A5760}" type="slidenum">
               <a:rPr lang="zh-CN" altLang="en-US" smtClean="0"/>
               <a:t>‹#›</a:t>
             </a:fld>
@@ -515,7 +515,7 @@
     </p:spTree>
     <p:extLst>
       <p:ext uri="{BB962C8B-B14F-4D97-AF65-F5344CB8AC3E}">
-        <p14:creationId xmlns:p14="http://schemas.microsoft.com/office/powerpoint/2010/main" val="3519104410"/>
+        <p14:creationId xmlns:p14="http://schemas.microsoft.com/office/powerpoint/2010/main" val="2534865093"/>
       </p:ext>
     </p:extLst>
   </p:cSld>
@@ -547,7 +547,7 @@
           <p:cNvPr id="2" name="竖排标题 1">
             <a:extLst>
               <a:ext uri="{FF2B5EF4-FFF2-40B4-BE49-F238E27FC236}">
-                <a16:creationId xmlns:a16="http://schemas.microsoft.com/office/drawing/2014/main" id="{C17098B7-7761-B5AB-6F53-652DA1F2D238}"/>
+                <a16:creationId xmlns:a16="http://schemas.microsoft.com/office/drawing/2014/main" id="{324D045F-4D41-0DA0-E727-354FEB374114}"/>
               </a:ext>
             </a:extLst>
           </p:cNvPr>
@@ -580,7 +580,7 @@
           <p:cNvPr id="3" name="竖排文字占位符 2">
             <a:extLst>
               <a:ext uri="{FF2B5EF4-FFF2-40B4-BE49-F238E27FC236}">
-                <a16:creationId xmlns:a16="http://schemas.microsoft.com/office/drawing/2014/main" id="{3A5FB55D-8B72-3BE8-CA6E-0F599939E0E0}"/>
+                <a16:creationId xmlns:a16="http://schemas.microsoft.com/office/drawing/2014/main" id="{BEC581C5-16E5-95FA-F0F0-58D9337ACEFD}"/>
               </a:ext>
             </a:extLst>
           </p:cNvPr>
@@ -642,7 +642,7 @@
           <p:cNvPr id="4" name="日期占位符 3">
             <a:extLst>
               <a:ext uri="{FF2B5EF4-FFF2-40B4-BE49-F238E27FC236}">
-                <a16:creationId xmlns:a16="http://schemas.microsoft.com/office/drawing/2014/main" id="{C682787D-2B61-85BC-2A42-D833F8581ED1}"/>
+                <a16:creationId xmlns:a16="http://schemas.microsoft.com/office/drawing/2014/main" id="{0ACBB8F1-BA3B-5E73-1016-9C448BFDB7C3}"/>
               </a:ext>
             </a:extLst>
           </p:cNvPr>
@@ -658,7 +658,7 @@
           <a:bodyPr/>
           <a:lstStyle/>
           <a:p>
-            <a:fld id="{E44F8706-D01F-4043-884B-C4D0C18BB98A}" type="datetimeFigureOut">
+            <a:fld id="{7299DF78-1806-4290-84D7-8F365ED437D2}" type="datetimeFigureOut">
               <a:rPr lang="zh-CN" altLang="en-US" smtClean="0"/>
               <a:t>2024/3/10</a:t>
             </a:fld>
@@ -671,7 +671,7 @@
           <p:cNvPr id="5" name="页脚占位符 4">
             <a:extLst>
               <a:ext uri="{FF2B5EF4-FFF2-40B4-BE49-F238E27FC236}">
-                <a16:creationId xmlns:a16="http://schemas.microsoft.com/office/drawing/2014/main" id="{843C7228-06CF-2376-6C53-ECB817CE45C7}"/>
+                <a16:creationId xmlns:a16="http://schemas.microsoft.com/office/drawing/2014/main" id="{3943F875-9908-0F81-0753-D5A8EEEB18CB}"/>
               </a:ext>
             </a:extLst>
           </p:cNvPr>
@@ -696,7 +696,7 @@
           <p:cNvPr id="6" name="灯片编号占位符 5">
             <a:extLst>
               <a:ext uri="{FF2B5EF4-FFF2-40B4-BE49-F238E27FC236}">
-                <a16:creationId xmlns:a16="http://schemas.microsoft.com/office/drawing/2014/main" id="{2247D0FA-F33C-E071-C59C-66466535A8C4}"/>
+                <a16:creationId xmlns:a16="http://schemas.microsoft.com/office/drawing/2014/main" id="{BBD311F9-9276-79B4-3F01-2003A7283088}"/>
               </a:ext>
             </a:extLst>
           </p:cNvPr>
@@ -712,7 +712,7 @@
           <a:bodyPr/>
           <a:lstStyle/>
           <a:p>
-            <a:fld id="{4F0D6C86-077F-42CB-94B2-8D628BDF29EE}" type="slidenum">
+            <a:fld id="{D5E93B1A-0ACD-4B57-A05D-CF9C032A5760}" type="slidenum">
               <a:rPr lang="zh-CN" altLang="en-US" smtClean="0"/>
               <a:t>‹#›</a:t>
             </a:fld>
@@ -723,7 +723,7 @@
     </p:spTree>
     <p:extLst>
       <p:ext uri="{BB962C8B-B14F-4D97-AF65-F5344CB8AC3E}">
-        <p14:creationId xmlns:p14="http://schemas.microsoft.com/office/powerpoint/2010/main" val="696272500"/>
+        <p14:creationId xmlns:p14="http://schemas.microsoft.com/office/powerpoint/2010/main" val="2565513168"/>
       </p:ext>
     </p:extLst>
   </p:cSld>
@@ -755,7 +755,7 @@
           <p:cNvPr id="2" name="标题 1">
             <a:extLst>
               <a:ext uri="{FF2B5EF4-FFF2-40B4-BE49-F238E27FC236}">
-                <a16:creationId xmlns:a16="http://schemas.microsoft.com/office/drawing/2014/main" id="{B624843A-2515-C935-478A-A453798742B4}"/>
+                <a16:creationId xmlns:a16="http://schemas.microsoft.com/office/drawing/2014/main" id="{74CC0538-A23F-197C-353E-AA855430569E}"/>
               </a:ext>
             </a:extLst>
           </p:cNvPr>
@@ -783,7 +783,7 @@
           <p:cNvPr id="3" name="内容占位符 2">
             <a:extLst>
               <a:ext uri="{FF2B5EF4-FFF2-40B4-BE49-F238E27FC236}">
-                <a16:creationId xmlns:a16="http://schemas.microsoft.com/office/drawing/2014/main" id="{1FB5E422-457B-D763-529F-FC650B1317BD}"/>
+                <a16:creationId xmlns:a16="http://schemas.microsoft.com/office/drawing/2014/main" id="{2A581C16-9680-093B-71DB-4E1A63D8DBCB}"/>
               </a:ext>
             </a:extLst>
           </p:cNvPr>
@@ -840,7 +840,7 @@
           <p:cNvPr id="4" name="日期占位符 3">
             <a:extLst>
               <a:ext uri="{FF2B5EF4-FFF2-40B4-BE49-F238E27FC236}">
-                <a16:creationId xmlns:a16="http://schemas.microsoft.com/office/drawing/2014/main" id="{47E32D67-8301-81A9-8678-1E981128012D}"/>
+                <a16:creationId xmlns:a16="http://schemas.microsoft.com/office/drawing/2014/main" id="{D2C55929-757F-57C3-0A6B-B3B64E2CBB90}"/>
               </a:ext>
             </a:extLst>
           </p:cNvPr>
@@ -856,7 +856,7 @@
           <a:bodyPr/>
           <a:lstStyle/>
           <a:p>
-            <a:fld id="{E44F8706-D01F-4043-884B-C4D0C18BB98A}" type="datetimeFigureOut">
+            <a:fld id="{7299DF78-1806-4290-84D7-8F365ED437D2}" type="datetimeFigureOut">
               <a:rPr lang="zh-CN" altLang="en-US" smtClean="0"/>
               <a:t>2024/3/10</a:t>
             </a:fld>
@@ -869,7 +869,7 @@
           <p:cNvPr id="5" name="页脚占位符 4">
             <a:extLst>
               <a:ext uri="{FF2B5EF4-FFF2-40B4-BE49-F238E27FC236}">
-                <a16:creationId xmlns:a16="http://schemas.microsoft.com/office/drawing/2014/main" id="{F01ABB24-34B8-BECB-4DA0-6C6FB23FD04A}"/>
+                <a16:creationId xmlns:a16="http://schemas.microsoft.com/office/drawing/2014/main" id="{3C010EFE-F5EF-1D26-8CD3-2D4E896D3A6D}"/>
               </a:ext>
             </a:extLst>
           </p:cNvPr>
@@ -894,7 +894,7 @@
           <p:cNvPr id="6" name="灯片编号占位符 5">
             <a:extLst>
               <a:ext uri="{FF2B5EF4-FFF2-40B4-BE49-F238E27FC236}">
-                <a16:creationId xmlns:a16="http://schemas.microsoft.com/office/drawing/2014/main" id="{3F53D8A5-D91D-A94C-A170-4BC6B7843AD5}"/>
+                <a16:creationId xmlns:a16="http://schemas.microsoft.com/office/drawing/2014/main" id="{6A1C17D3-CAA9-68F5-A510-94B782BCF595}"/>
               </a:ext>
             </a:extLst>
           </p:cNvPr>
@@ -910,7 +910,7 @@
           <a:bodyPr/>
           <a:lstStyle/>
           <a:p>
-            <a:fld id="{4F0D6C86-077F-42CB-94B2-8D628BDF29EE}" type="slidenum">
+            <a:fld id="{D5E93B1A-0ACD-4B57-A05D-CF9C032A5760}" type="slidenum">
               <a:rPr lang="zh-CN" altLang="en-US" smtClean="0"/>
               <a:t>‹#›</a:t>
             </a:fld>
@@ -921,7 +921,7 @@
     </p:spTree>
     <p:extLst>
       <p:ext uri="{BB962C8B-B14F-4D97-AF65-F5344CB8AC3E}">
-        <p14:creationId xmlns:p14="http://schemas.microsoft.com/office/powerpoint/2010/main" val="1624465389"/>
+        <p14:creationId xmlns:p14="http://schemas.microsoft.com/office/powerpoint/2010/main" val="4259191813"/>
       </p:ext>
     </p:extLst>
   </p:cSld>
@@ -953,7 +953,7 @@
           <p:cNvPr id="2" name="标题 1">
             <a:extLst>
               <a:ext uri="{FF2B5EF4-FFF2-40B4-BE49-F238E27FC236}">
-                <a16:creationId xmlns:a16="http://schemas.microsoft.com/office/drawing/2014/main" id="{A809DF52-2515-5E11-2268-F85204EF3A13}"/>
+                <a16:creationId xmlns:a16="http://schemas.microsoft.com/office/drawing/2014/main" id="{4732872E-57F9-31FB-9F0C-833406B8D82B}"/>
               </a:ext>
             </a:extLst>
           </p:cNvPr>
@@ -990,7 +990,7 @@
           <p:cNvPr id="3" name="文本占位符 2">
             <a:extLst>
               <a:ext uri="{FF2B5EF4-FFF2-40B4-BE49-F238E27FC236}">
-                <a16:creationId xmlns:a16="http://schemas.microsoft.com/office/drawing/2014/main" id="{8EA27AB3-EA79-6F8D-7A72-8B4CBACD43A5}"/>
+                <a16:creationId xmlns:a16="http://schemas.microsoft.com/office/drawing/2014/main" id="{5E3FBA91-63E6-247F-9C5C-BDDA4847B3F0}"/>
               </a:ext>
             </a:extLst>
           </p:cNvPr>
@@ -1115,7 +1115,7 @@
           <p:cNvPr id="4" name="日期占位符 3">
             <a:extLst>
               <a:ext uri="{FF2B5EF4-FFF2-40B4-BE49-F238E27FC236}">
-                <a16:creationId xmlns:a16="http://schemas.microsoft.com/office/drawing/2014/main" id="{E4C2C29F-24E3-7843-B90A-51AB1FAA0148}"/>
+                <a16:creationId xmlns:a16="http://schemas.microsoft.com/office/drawing/2014/main" id="{7D490AE2-7ABB-4119-307D-B0470FED9EB7}"/>
               </a:ext>
             </a:extLst>
           </p:cNvPr>
@@ -1131,7 +1131,7 @@
           <a:bodyPr/>
           <a:lstStyle/>
           <a:p>
-            <a:fld id="{E44F8706-D01F-4043-884B-C4D0C18BB98A}" type="datetimeFigureOut">
+            <a:fld id="{7299DF78-1806-4290-84D7-8F365ED437D2}" type="datetimeFigureOut">
               <a:rPr lang="zh-CN" altLang="en-US" smtClean="0"/>
               <a:t>2024/3/10</a:t>
             </a:fld>
@@ -1144,7 +1144,7 @@
           <p:cNvPr id="5" name="页脚占位符 4">
             <a:extLst>
               <a:ext uri="{FF2B5EF4-FFF2-40B4-BE49-F238E27FC236}">
-                <a16:creationId xmlns:a16="http://schemas.microsoft.com/office/drawing/2014/main" id="{F3EB51CB-942E-2AD2-1B84-FBAD7816F17A}"/>
+                <a16:creationId xmlns:a16="http://schemas.microsoft.com/office/drawing/2014/main" id="{ECC21DA2-6247-4329-AD76-E748BBDD290F}"/>
               </a:ext>
             </a:extLst>
           </p:cNvPr>
@@ -1169,7 +1169,7 @@
           <p:cNvPr id="6" name="灯片编号占位符 5">
             <a:extLst>
               <a:ext uri="{FF2B5EF4-FFF2-40B4-BE49-F238E27FC236}">
-                <a16:creationId xmlns:a16="http://schemas.microsoft.com/office/drawing/2014/main" id="{4072421D-D282-C9F9-2780-38226C8D1CD0}"/>
+                <a16:creationId xmlns:a16="http://schemas.microsoft.com/office/drawing/2014/main" id="{D27541D7-3D29-FD17-36CE-F31973FD041C}"/>
               </a:ext>
             </a:extLst>
           </p:cNvPr>
@@ -1185,7 +1185,7 @@
           <a:bodyPr/>
           <a:lstStyle/>
           <a:p>
-            <a:fld id="{4F0D6C86-077F-42CB-94B2-8D628BDF29EE}" type="slidenum">
+            <a:fld id="{D5E93B1A-0ACD-4B57-A05D-CF9C032A5760}" type="slidenum">
               <a:rPr lang="zh-CN" altLang="en-US" smtClean="0"/>
               <a:t>‹#›</a:t>
             </a:fld>
@@ -1196,7 +1196,7 @@
     </p:spTree>
     <p:extLst>
       <p:ext uri="{BB962C8B-B14F-4D97-AF65-F5344CB8AC3E}">
-        <p14:creationId xmlns:p14="http://schemas.microsoft.com/office/powerpoint/2010/main" val="1189558470"/>
+        <p14:creationId xmlns:p14="http://schemas.microsoft.com/office/powerpoint/2010/main" val="2772434216"/>
       </p:ext>
     </p:extLst>
   </p:cSld>
@@ -1228,7 +1228,7 @@
           <p:cNvPr id="2" name="标题 1">
             <a:extLst>
               <a:ext uri="{FF2B5EF4-FFF2-40B4-BE49-F238E27FC236}">
-                <a16:creationId xmlns:a16="http://schemas.microsoft.com/office/drawing/2014/main" id="{A5E42E03-62F8-2EFC-F77E-A0A13BB2D2B0}"/>
+                <a16:creationId xmlns:a16="http://schemas.microsoft.com/office/drawing/2014/main" id="{71255F29-7DA5-97E7-4A62-F22B621918FD}"/>
               </a:ext>
             </a:extLst>
           </p:cNvPr>
@@ -1256,7 +1256,7 @@
           <p:cNvPr id="3" name="内容占位符 2">
             <a:extLst>
               <a:ext uri="{FF2B5EF4-FFF2-40B4-BE49-F238E27FC236}">
-                <a16:creationId xmlns:a16="http://schemas.microsoft.com/office/drawing/2014/main" id="{77B5DBD8-7BC5-FCD9-A297-44624D4F3D99}"/>
+                <a16:creationId xmlns:a16="http://schemas.microsoft.com/office/drawing/2014/main" id="{178A6D78-F5DC-3C27-DB1B-4F46F479C428}"/>
               </a:ext>
             </a:extLst>
           </p:cNvPr>
@@ -1318,7 +1318,7 @@
           <p:cNvPr id="4" name="内容占位符 3">
             <a:extLst>
               <a:ext uri="{FF2B5EF4-FFF2-40B4-BE49-F238E27FC236}">
-                <a16:creationId xmlns:a16="http://schemas.microsoft.com/office/drawing/2014/main" id="{C42F6427-7E00-B637-B257-181B3394C999}"/>
+                <a16:creationId xmlns:a16="http://schemas.microsoft.com/office/drawing/2014/main" id="{A62BFF9F-9370-56CC-2356-D9078DC00BDF}"/>
               </a:ext>
             </a:extLst>
           </p:cNvPr>
@@ -1380,7 +1380,7 @@
           <p:cNvPr id="5" name="日期占位符 4">
             <a:extLst>
               <a:ext uri="{FF2B5EF4-FFF2-40B4-BE49-F238E27FC236}">
-                <a16:creationId xmlns:a16="http://schemas.microsoft.com/office/drawing/2014/main" id="{D9EC26C6-E8AD-BC9C-5433-A4D1B5648807}"/>
+                <a16:creationId xmlns:a16="http://schemas.microsoft.com/office/drawing/2014/main" id="{690681DD-ED00-3A17-E506-1ABCA7D4C6E0}"/>
               </a:ext>
             </a:extLst>
           </p:cNvPr>
@@ -1396,7 +1396,7 @@
           <a:bodyPr/>
           <a:lstStyle/>
           <a:p>
-            <a:fld id="{E44F8706-D01F-4043-884B-C4D0C18BB98A}" type="datetimeFigureOut">
+            <a:fld id="{7299DF78-1806-4290-84D7-8F365ED437D2}" type="datetimeFigureOut">
               <a:rPr lang="zh-CN" altLang="en-US" smtClean="0"/>
               <a:t>2024/3/10</a:t>
             </a:fld>
@@ -1409,7 +1409,7 @@
           <p:cNvPr id="6" name="页脚占位符 5">
             <a:extLst>
               <a:ext uri="{FF2B5EF4-FFF2-40B4-BE49-F238E27FC236}">
-                <a16:creationId xmlns:a16="http://schemas.microsoft.com/office/drawing/2014/main" id="{0B04193E-FD2D-B0EC-3313-601CA657BF67}"/>
+                <a16:creationId xmlns:a16="http://schemas.microsoft.com/office/drawing/2014/main" id="{C9213196-D0B8-2DB6-4350-932F9AFF56C0}"/>
               </a:ext>
             </a:extLst>
           </p:cNvPr>
@@ -1434,7 +1434,7 @@
           <p:cNvPr id="7" name="灯片编号占位符 6">
             <a:extLst>
               <a:ext uri="{FF2B5EF4-FFF2-40B4-BE49-F238E27FC236}">
-                <a16:creationId xmlns:a16="http://schemas.microsoft.com/office/drawing/2014/main" id="{9146080E-2B98-ACFB-C788-8803987E4986}"/>
+                <a16:creationId xmlns:a16="http://schemas.microsoft.com/office/drawing/2014/main" id="{8DBBCCD6-D759-BCDD-29CC-0B0314019B5F}"/>
               </a:ext>
             </a:extLst>
           </p:cNvPr>
@@ -1450,7 +1450,7 @@
           <a:bodyPr/>
           <a:lstStyle/>
           <a:p>
-            <a:fld id="{4F0D6C86-077F-42CB-94B2-8D628BDF29EE}" type="slidenum">
+            <a:fld id="{D5E93B1A-0ACD-4B57-A05D-CF9C032A5760}" type="slidenum">
               <a:rPr lang="zh-CN" altLang="en-US" smtClean="0"/>
               <a:t>‹#›</a:t>
             </a:fld>
@@ -1461,7 +1461,7 @@
     </p:spTree>
     <p:extLst>
       <p:ext uri="{BB962C8B-B14F-4D97-AF65-F5344CB8AC3E}">
-        <p14:creationId xmlns:p14="http://schemas.microsoft.com/office/powerpoint/2010/main" val="738367065"/>
+        <p14:creationId xmlns:p14="http://schemas.microsoft.com/office/powerpoint/2010/main" val="1114533359"/>
       </p:ext>
     </p:extLst>
   </p:cSld>
@@ -1493,7 +1493,7 @@
           <p:cNvPr id="2" name="标题 1">
             <a:extLst>
               <a:ext uri="{FF2B5EF4-FFF2-40B4-BE49-F238E27FC236}">
-                <a16:creationId xmlns:a16="http://schemas.microsoft.com/office/drawing/2014/main" id="{C35D4EDE-B8CF-7B29-D7A3-C74C18479919}"/>
+                <a16:creationId xmlns:a16="http://schemas.microsoft.com/office/drawing/2014/main" id="{7625F61A-36BD-3DA9-65BC-A9432B96319A}"/>
               </a:ext>
             </a:extLst>
           </p:cNvPr>
@@ -1526,7 +1526,7 @@
           <p:cNvPr id="3" name="文本占位符 2">
             <a:extLst>
               <a:ext uri="{FF2B5EF4-FFF2-40B4-BE49-F238E27FC236}">
-                <a16:creationId xmlns:a16="http://schemas.microsoft.com/office/drawing/2014/main" id="{F909A98B-FBBC-F0D0-0CC7-B953654C34E5}"/>
+                <a16:creationId xmlns:a16="http://schemas.microsoft.com/office/drawing/2014/main" id="{4FD28300-5274-74FE-C9C0-48BA7741707B}"/>
               </a:ext>
             </a:extLst>
           </p:cNvPr>
@@ -1597,7 +1597,7 @@
           <p:cNvPr id="4" name="内容占位符 3">
             <a:extLst>
               <a:ext uri="{FF2B5EF4-FFF2-40B4-BE49-F238E27FC236}">
-                <a16:creationId xmlns:a16="http://schemas.microsoft.com/office/drawing/2014/main" id="{D5FEEA85-8CBC-BBCD-2674-048CD0E383E1}"/>
+                <a16:creationId xmlns:a16="http://schemas.microsoft.com/office/drawing/2014/main" id="{D9957F3C-2ED8-6A31-2537-38996FDE812E}"/>
               </a:ext>
             </a:extLst>
           </p:cNvPr>
@@ -1659,7 +1659,7 @@
           <p:cNvPr id="5" name="文本占位符 4">
             <a:extLst>
               <a:ext uri="{FF2B5EF4-FFF2-40B4-BE49-F238E27FC236}">
-                <a16:creationId xmlns:a16="http://schemas.microsoft.com/office/drawing/2014/main" id="{F1DE27F8-D97D-76D2-6ADD-094CFE27F961}"/>
+                <a16:creationId xmlns:a16="http://schemas.microsoft.com/office/drawing/2014/main" id="{C86A4600-119E-DB56-CD82-78E6450B8386}"/>
               </a:ext>
             </a:extLst>
           </p:cNvPr>
@@ -1730,7 +1730,7 @@
           <p:cNvPr id="6" name="内容占位符 5">
             <a:extLst>
               <a:ext uri="{FF2B5EF4-FFF2-40B4-BE49-F238E27FC236}">
-                <a16:creationId xmlns:a16="http://schemas.microsoft.com/office/drawing/2014/main" id="{6884D8AB-E5A9-84E7-927B-A73C49CDB6B3}"/>
+                <a16:creationId xmlns:a16="http://schemas.microsoft.com/office/drawing/2014/main" id="{8881C96C-38DE-0816-5FB9-4A1C3903E1C8}"/>
               </a:ext>
             </a:extLst>
           </p:cNvPr>
@@ -1792,7 +1792,7 @@
           <p:cNvPr id="7" name="日期占位符 6">
             <a:extLst>
               <a:ext uri="{FF2B5EF4-FFF2-40B4-BE49-F238E27FC236}">
-                <a16:creationId xmlns:a16="http://schemas.microsoft.com/office/drawing/2014/main" id="{4ED8F075-040E-F307-44CC-895DDFFCDFD2}"/>
+                <a16:creationId xmlns:a16="http://schemas.microsoft.com/office/drawing/2014/main" id="{010C1F3A-6A85-4131-7771-181E7723F688}"/>
               </a:ext>
             </a:extLst>
           </p:cNvPr>
@@ -1808,7 +1808,7 @@
           <a:bodyPr/>
           <a:lstStyle/>
           <a:p>
-            <a:fld id="{E44F8706-D01F-4043-884B-C4D0C18BB98A}" type="datetimeFigureOut">
+            <a:fld id="{7299DF78-1806-4290-84D7-8F365ED437D2}" type="datetimeFigureOut">
               <a:rPr lang="zh-CN" altLang="en-US" smtClean="0"/>
               <a:t>2024/3/10</a:t>
             </a:fld>
@@ -1821,7 +1821,7 @@
           <p:cNvPr id="8" name="页脚占位符 7">
             <a:extLst>
               <a:ext uri="{FF2B5EF4-FFF2-40B4-BE49-F238E27FC236}">
-                <a16:creationId xmlns:a16="http://schemas.microsoft.com/office/drawing/2014/main" id="{2949F94F-C60A-CE7F-BB9A-9ADBC93E1BEE}"/>
+                <a16:creationId xmlns:a16="http://schemas.microsoft.com/office/drawing/2014/main" id="{1BFB0603-D5FC-86FE-CA57-E641055AA9E0}"/>
               </a:ext>
             </a:extLst>
           </p:cNvPr>
@@ -1846,7 +1846,7 @@
           <p:cNvPr id="9" name="灯片编号占位符 8">
             <a:extLst>
               <a:ext uri="{FF2B5EF4-FFF2-40B4-BE49-F238E27FC236}">
-                <a16:creationId xmlns:a16="http://schemas.microsoft.com/office/drawing/2014/main" id="{71FE7499-054F-8A76-FE56-8F6EC669CD9D}"/>
+                <a16:creationId xmlns:a16="http://schemas.microsoft.com/office/drawing/2014/main" id="{B08DFA61-01CF-3816-58F2-3CF5005532F3}"/>
               </a:ext>
             </a:extLst>
           </p:cNvPr>
@@ -1862,7 +1862,7 @@
           <a:bodyPr/>
           <a:lstStyle/>
           <a:p>
-            <a:fld id="{4F0D6C86-077F-42CB-94B2-8D628BDF29EE}" type="slidenum">
+            <a:fld id="{D5E93B1A-0ACD-4B57-A05D-CF9C032A5760}" type="slidenum">
               <a:rPr lang="zh-CN" altLang="en-US" smtClean="0"/>
               <a:t>‹#›</a:t>
             </a:fld>
@@ -1873,7 +1873,7 @@
     </p:spTree>
     <p:extLst>
       <p:ext uri="{BB962C8B-B14F-4D97-AF65-F5344CB8AC3E}">
-        <p14:creationId xmlns:p14="http://schemas.microsoft.com/office/powerpoint/2010/main" val="3523232812"/>
+        <p14:creationId xmlns:p14="http://schemas.microsoft.com/office/powerpoint/2010/main" val="1569276069"/>
       </p:ext>
     </p:extLst>
   </p:cSld>
@@ -1905,7 +1905,7 @@
           <p:cNvPr id="2" name="标题 1">
             <a:extLst>
               <a:ext uri="{FF2B5EF4-FFF2-40B4-BE49-F238E27FC236}">
-                <a16:creationId xmlns:a16="http://schemas.microsoft.com/office/drawing/2014/main" id="{C36162CE-F070-BD00-8B37-029EA8A95CF1}"/>
+                <a16:creationId xmlns:a16="http://schemas.microsoft.com/office/drawing/2014/main" id="{01814B71-F050-D072-F790-47ABC027D6C1}"/>
               </a:ext>
             </a:extLst>
           </p:cNvPr>
@@ -1933,7 +1933,7 @@
           <p:cNvPr id="3" name="日期占位符 2">
             <a:extLst>
               <a:ext uri="{FF2B5EF4-FFF2-40B4-BE49-F238E27FC236}">
-                <a16:creationId xmlns:a16="http://schemas.microsoft.com/office/drawing/2014/main" id="{16C012D2-A6C5-E92E-B88C-72C37C45EB6F}"/>
+                <a16:creationId xmlns:a16="http://schemas.microsoft.com/office/drawing/2014/main" id="{6D6F48B9-DAD1-5102-9E7D-D434E67BCDBE}"/>
               </a:ext>
             </a:extLst>
           </p:cNvPr>
@@ -1949,7 +1949,7 @@
           <a:bodyPr/>
           <a:lstStyle/>
           <a:p>
-            <a:fld id="{E44F8706-D01F-4043-884B-C4D0C18BB98A}" type="datetimeFigureOut">
+            <a:fld id="{7299DF78-1806-4290-84D7-8F365ED437D2}" type="datetimeFigureOut">
               <a:rPr lang="zh-CN" altLang="en-US" smtClean="0"/>
               <a:t>2024/3/10</a:t>
             </a:fld>
@@ -1962,7 +1962,7 @@
           <p:cNvPr id="4" name="页脚占位符 3">
             <a:extLst>
               <a:ext uri="{FF2B5EF4-FFF2-40B4-BE49-F238E27FC236}">
-                <a16:creationId xmlns:a16="http://schemas.microsoft.com/office/drawing/2014/main" id="{40E286C5-B084-355F-B364-E27CE986C599}"/>
+                <a16:creationId xmlns:a16="http://schemas.microsoft.com/office/drawing/2014/main" id="{F34C9CBA-EECA-877B-4635-55298A15A588}"/>
               </a:ext>
             </a:extLst>
           </p:cNvPr>
@@ -1987,7 +1987,7 @@
           <p:cNvPr id="5" name="灯片编号占位符 4">
             <a:extLst>
               <a:ext uri="{FF2B5EF4-FFF2-40B4-BE49-F238E27FC236}">
-                <a16:creationId xmlns:a16="http://schemas.microsoft.com/office/drawing/2014/main" id="{D6DB0A0F-71B6-6FA4-369A-4466B7435E8A}"/>
+                <a16:creationId xmlns:a16="http://schemas.microsoft.com/office/drawing/2014/main" id="{85DE8F35-6D85-1876-9210-F5C68B0EDDD7}"/>
               </a:ext>
             </a:extLst>
           </p:cNvPr>
@@ -2003,7 +2003,7 @@
           <a:bodyPr/>
           <a:lstStyle/>
           <a:p>
-            <a:fld id="{4F0D6C86-077F-42CB-94B2-8D628BDF29EE}" type="slidenum">
+            <a:fld id="{D5E93B1A-0ACD-4B57-A05D-CF9C032A5760}" type="slidenum">
               <a:rPr lang="zh-CN" altLang="en-US" smtClean="0"/>
               <a:t>‹#›</a:t>
             </a:fld>
@@ -2014,7 +2014,7 @@
     </p:spTree>
     <p:extLst>
       <p:ext uri="{BB962C8B-B14F-4D97-AF65-F5344CB8AC3E}">
-        <p14:creationId xmlns:p14="http://schemas.microsoft.com/office/powerpoint/2010/main" val="905887241"/>
+        <p14:creationId xmlns:p14="http://schemas.microsoft.com/office/powerpoint/2010/main" val="2822069092"/>
       </p:ext>
     </p:extLst>
   </p:cSld>
@@ -2046,7 +2046,7 @@
           <p:cNvPr id="2" name="日期占位符 1">
             <a:extLst>
               <a:ext uri="{FF2B5EF4-FFF2-40B4-BE49-F238E27FC236}">
-                <a16:creationId xmlns:a16="http://schemas.microsoft.com/office/drawing/2014/main" id="{62C64E5D-1FD4-F2F4-28EE-E57095E7B8B7}"/>
+                <a16:creationId xmlns:a16="http://schemas.microsoft.com/office/drawing/2014/main" id="{D00B76E2-D5C3-AB6F-2B83-E45088CAFE15}"/>
               </a:ext>
             </a:extLst>
           </p:cNvPr>
@@ -2062,7 +2062,7 @@
           <a:bodyPr/>
           <a:lstStyle/>
           <a:p>
-            <a:fld id="{E44F8706-D01F-4043-884B-C4D0C18BB98A}" type="datetimeFigureOut">
+            <a:fld id="{7299DF78-1806-4290-84D7-8F365ED437D2}" type="datetimeFigureOut">
               <a:rPr lang="zh-CN" altLang="en-US" smtClean="0"/>
               <a:t>2024/3/10</a:t>
             </a:fld>
@@ -2075,7 +2075,7 @@
           <p:cNvPr id="3" name="页脚占位符 2">
             <a:extLst>
               <a:ext uri="{FF2B5EF4-FFF2-40B4-BE49-F238E27FC236}">
-                <a16:creationId xmlns:a16="http://schemas.microsoft.com/office/drawing/2014/main" id="{ADB649E2-07F1-4BE4-0215-CB49892439A0}"/>
+                <a16:creationId xmlns:a16="http://schemas.microsoft.com/office/drawing/2014/main" id="{2A047DF6-2FF5-FB2B-DA27-78AD91297BCB}"/>
               </a:ext>
             </a:extLst>
           </p:cNvPr>
@@ -2100,7 +2100,7 @@
           <p:cNvPr id="4" name="灯片编号占位符 3">
             <a:extLst>
               <a:ext uri="{FF2B5EF4-FFF2-40B4-BE49-F238E27FC236}">
-                <a16:creationId xmlns:a16="http://schemas.microsoft.com/office/drawing/2014/main" id="{058D9932-9B25-BE74-59E2-108B01D61588}"/>
+                <a16:creationId xmlns:a16="http://schemas.microsoft.com/office/drawing/2014/main" id="{62FEFEEF-17BE-5530-6C22-3EFA27259CAA}"/>
               </a:ext>
             </a:extLst>
           </p:cNvPr>
@@ -2116,7 +2116,7 @@
           <a:bodyPr/>
           <a:lstStyle/>
           <a:p>
-            <a:fld id="{4F0D6C86-077F-42CB-94B2-8D628BDF29EE}" type="slidenum">
+            <a:fld id="{D5E93B1A-0ACD-4B57-A05D-CF9C032A5760}" type="slidenum">
               <a:rPr lang="zh-CN" altLang="en-US" smtClean="0"/>
               <a:t>‹#›</a:t>
             </a:fld>
@@ -2127,7 +2127,7 @@
     </p:spTree>
     <p:extLst>
       <p:ext uri="{BB962C8B-B14F-4D97-AF65-F5344CB8AC3E}">
-        <p14:creationId xmlns:p14="http://schemas.microsoft.com/office/powerpoint/2010/main" val="2159586122"/>
+        <p14:creationId xmlns:p14="http://schemas.microsoft.com/office/powerpoint/2010/main" val="344305516"/>
       </p:ext>
     </p:extLst>
   </p:cSld>
@@ -2159,7 +2159,7 @@
           <p:cNvPr id="2" name="标题 1">
             <a:extLst>
               <a:ext uri="{FF2B5EF4-FFF2-40B4-BE49-F238E27FC236}">
-                <a16:creationId xmlns:a16="http://schemas.microsoft.com/office/drawing/2014/main" id="{0731F098-12FD-E9DE-D1AB-C6AC8B578C15}"/>
+                <a16:creationId xmlns:a16="http://schemas.microsoft.com/office/drawing/2014/main" id="{3F5F1645-24D9-4D6E-9CA7-DF58521E3A94}"/>
               </a:ext>
             </a:extLst>
           </p:cNvPr>
@@ -2196,7 +2196,7 @@
           <p:cNvPr id="3" name="内容占位符 2">
             <a:extLst>
               <a:ext uri="{FF2B5EF4-FFF2-40B4-BE49-F238E27FC236}">
-                <a16:creationId xmlns:a16="http://schemas.microsoft.com/office/drawing/2014/main" id="{F94999CC-A559-AD71-F2B9-6B206A9B1032}"/>
+                <a16:creationId xmlns:a16="http://schemas.microsoft.com/office/drawing/2014/main" id="{8E932BC1-02B1-4AAA-30FB-5CA7DC4840AA}"/>
               </a:ext>
             </a:extLst>
           </p:cNvPr>
@@ -2286,7 +2286,7 @@
           <p:cNvPr id="4" name="文本占位符 3">
             <a:extLst>
               <a:ext uri="{FF2B5EF4-FFF2-40B4-BE49-F238E27FC236}">
-                <a16:creationId xmlns:a16="http://schemas.microsoft.com/office/drawing/2014/main" id="{61F7EB39-FD1D-6F4F-4B2E-9608432E17CC}"/>
+                <a16:creationId xmlns:a16="http://schemas.microsoft.com/office/drawing/2014/main" id="{5F91A6CB-3018-24B2-BEF9-306CC4AD848A}"/>
               </a:ext>
             </a:extLst>
           </p:cNvPr>
@@ -2357,7 +2357,7 @@
           <p:cNvPr id="5" name="日期占位符 4">
             <a:extLst>
               <a:ext uri="{FF2B5EF4-FFF2-40B4-BE49-F238E27FC236}">
-                <a16:creationId xmlns:a16="http://schemas.microsoft.com/office/drawing/2014/main" id="{4D354510-D280-4436-986B-B7268ED8A421}"/>
+                <a16:creationId xmlns:a16="http://schemas.microsoft.com/office/drawing/2014/main" id="{4164A956-F1A7-595F-5F10-38EF2B5C4D04}"/>
               </a:ext>
             </a:extLst>
           </p:cNvPr>
@@ -2373,7 +2373,7 @@
           <a:bodyPr/>
           <a:lstStyle/>
           <a:p>
-            <a:fld id="{E44F8706-D01F-4043-884B-C4D0C18BB98A}" type="datetimeFigureOut">
+            <a:fld id="{7299DF78-1806-4290-84D7-8F365ED437D2}" type="datetimeFigureOut">
               <a:rPr lang="zh-CN" altLang="en-US" smtClean="0"/>
               <a:t>2024/3/10</a:t>
             </a:fld>
@@ -2386,7 +2386,7 @@
           <p:cNvPr id="6" name="页脚占位符 5">
             <a:extLst>
               <a:ext uri="{FF2B5EF4-FFF2-40B4-BE49-F238E27FC236}">
-                <a16:creationId xmlns:a16="http://schemas.microsoft.com/office/drawing/2014/main" id="{D26810C0-F4E5-60A3-14C7-8EBB6BAC6BC2}"/>
+                <a16:creationId xmlns:a16="http://schemas.microsoft.com/office/drawing/2014/main" id="{E4CD7FA8-9453-FD8B-CF4F-547E14918767}"/>
               </a:ext>
             </a:extLst>
           </p:cNvPr>
@@ -2411,7 +2411,7 @@
           <p:cNvPr id="7" name="灯片编号占位符 6">
             <a:extLst>
               <a:ext uri="{FF2B5EF4-FFF2-40B4-BE49-F238E27FC236}">
-                <a16:creationId xmlns:a16="http://schemas.microsoft.com/office/drawing/2014/main" id="{1EF1BA2E-1CF6-608F-AE1D-D69B825E89B4}"/>
+                <a16:creationId xmlns:a16="http://schemas.microsoft.com/office/drawing/2014/main" id="{25D2773B-26E2-08AE-2CF5-085C8DC8E94B}"/>
               </a:ext>
             </a:extLst>
           </p:cNvPr>
@@ -2427,7 +2427,7 @@
           <a:bodyPr/>
           <a:lstStyle/>
           <a:p>
-            <a:fld id="{4F0D6C86-077F-42CB-94B2-8D628BDF29EE}" type="slidenum">
+            <a:fld id="{D5E93B1A-0ACD-4B57-A05D-CF9C032A5760}" type="slidenum">
               <a:rPr lang="zh-CN" altLang="en-US" smtClean="0"/>
               <a:t>‹#›</a:t>
             </a:fld>
@@ -2438,7 +2438,7 @@
     </p:spTree>
     <p:extLst>
       <p:ext uri="{BB962C8B-B14F-4D97-AF65-F5344CB8AC3E}">
-        <p14:creationId xmlns:p14="http://schemas.microsoft.com/office/powerpoint/2010/main" val="195052238"/>
+        <p14:creationId xmlns:p14="http://schemas.microsoft.com/office/powerpoint/2010/main" val="1324189194"/>
       </p:ext>
     </p:extLst>
   </p:cSld>
@@ -2470,7 +2470,7 @@
           <p:cNvPr id="2" name="标题 1">
             <a:extLst>
               <a:ext uri="{FF2B5EF4-FFF2-40B4-BE49-F238E27FC236}">
-                <a16:creationId xmlns:a16="http://schemas.microsoft.com/office/drawing/2014/main" id="{011450CB-202F-9625-B85A-659409D54528}"/>
+                <a16:creationId xmlns:a16="http://schemas.microsoft.com/office/drawing/2014/main" id="{614A6758-EF46-19F2-E7C0-5C27125757E6}"/>
               </a:ext>
             </a:extLst>
           </p:cNvPr>
@@ -2507,7 +2507,7 @@
           <p:cNvPr id="3" name="图片占位符 2">
             <a:extLst>
               <a:ext uri="{FF2B5EF4-FFF2-40B4-BE49-F238E27FC236}">
-                <a16:creationId xmlns:a16="http://schemas.microsoft.com/office/drawing/2014/main" id="{0A460B81-F93B-00A8-07E9-495E894A4809}"/>
+                <a16:creationId xmlns:a16="http://schemas.microsoft.com/office/drawing/2014/main" id="{F5C924DF-41BC-1A9A-0F68-2C3C9AED6F31}"/>
               </a:ext>
             </a:extLst>
           </p:cNvPr>
@@ -2574,7 +2574,7 @@
           <p:cNvPr id="4" name="文本占位符 3">
             <a:extLst>
               <a:ext uri="{FF2B5EF4-FFF2-40B4-BE49-F238E27FC236}">
-                <a16:creationId xmlns:a16="http://schemas.microsoft.com/office/drawing/2014/main" id="{ADB54FC4-B1A5-B8AE-A134-C431B8E4028D}"/>
+                <a16:creationId xmlns:a16="http://schemas.microsoft.com/office/drawing/2014/main" id="{C1831119-0D85-E570-3DB7-74CB0C87C9B1}"/>
               </a:ext>
             </a:extLst>
           </p:cNvPr>
@@ -2645,7 +2645,7 @@
           <p:cNvPr id="5" name="日期占位符 4">
             <a:extLst>
               <a:ext uri="{FF2B5EF4-FFF2-40B4-BE49-F238E27FC236}">
-                <a16:creationId xmlns:a16="http://schemas.microsoft.com/office/drawing/2014/main" id="{967679B9-9E6C-9B96-4091-69F40030D1A8}"/>
+                <a16:creationId xmlns:a16="http://schemas.microsoft.com/office/drawing/2014/main" id="{5747B0F3-FA19-1CC6-6C21-CDE4194268E7}"/>
               </a:ext>
             </a:extLst>
           </p:cNvPr>
@@ -2661,7 +2661,7 @@
           <a:bodyPr/>
           <a:lstStyle/>
           <a:p>
-            <a:fld id="{E44F8706-D01F-4043-884B-C4D0C18BB98A}" type="datetimeFigureOut">
+            <a:fld id="{7299DF78-1806-4290-84D7-8F365ED437D2}" type="datetimeFigureOut">
               <a:rPr lang="zh-CN" altLang="en-US" smtClean="0"/>
               <a:t>2024/3/10</a:t>
             </a:fld>
@@ -2674,7 +2674,7 @@
           <p:cNvPr id="6" name="页脚占位符 5">
             <a:extLst>
               <a:ext uri="{FF2B5EF4-FFF2-40B4-BE49-F238E27FC236}">
-                <a16:creationId xmlns:a16="http://schemas.microsoft.com/office/drawing/2014/main" id="{61123D4A-E3E0-65C2-3F0E-DD58E6C8D02D}"/>
+                <a16:creationId xmlns:a16="http://schemas.microsoft.com/office/drawing/2014/main" id="{695B7735-7417-118A-A4CE-480D3CA95CA4}"/>
               </a:ext>
             </a:extLst>
           </p:cNvPr>
@@ -2699,7 +2699,7 @@
           <p:cNvPr id="7" name="灯片编号占位符 6">
             <a:extLst>
               <a:ext uri="{FF2B5EF4-FFF2-40B4-BE49-F238E27FC236}">
-                <a16:creationId xmlns:a16="http://schemas.microsoft.com/office/drawing/2014/main" id="{E79103C5-D888-3D46-720B-556D4AB8707E}"/>
+                <a16:creationId xmlns:a16="http://schemas.microsoft.com/office/drawing/2014/main" id="{7EE5B358-96F3-96A5-F569-871CCE7F581E}"/>
               </a:ext>
             </a:extLst>
           </p:cNvPr>
@@ -2715,7 +2715,7 @@
           <a:bodyPr/>
           <a:lstStyle/>
           <a:p>
-            <a:fld id="{4F0D6C86-077F-42CB-94B2-8D628BDF29EE}" type="slidenum">
+            <a:fld id="{D5E93B1A-0ACD-4B57-A05D-CF9C032A5760}" type="slidenum">
               <a:rPr lang="zh-CN" altLang="en-US" smtClean="0"/>
               <a:t>‹#›</a:t>
             </a:fld>
@@ -2726,7 +2726,7 @@
     </p:spTree>
     <p:extLst>
       <p:ext uri="{BB962C8B-B14F-4D97-AF65-F5344CB8AC3E}">
-        <p14:creationId xmlns:p14="http://schemas.microsoft.com/office/powerpoint/2010/main" val="1390829644"/>
+        <p14:creationId xmlns:p14="http://schemas.microsoft.com/office/powerpoint/2010/main" val="366872804"/>
       </p:ext>
     </p:extLst>
   </p:cSld>
@@ -2763,7 +2763,7 @@
           <p:cNvPr id="2" name="标题占位符 1">
             <a:extLst>
               <a:ext uri="{FF2B5EF4-FFF2-40B4-BE49-F238E27FC236}">
-                <a16:creationId xmlns:a16="http://schemas.microsoft.com/office/drawing/2014/main" id="{E995E49E-6C07-2988-E79E-D30355F9B18C}"/>
+                <a16:creationId xmlns:a16="http://schemas.microsoft.com/office/drawing/2014/main" id="{343A6F1E-C840-E39A-47C8-8649DF6543BA}"/>
               </a:ext>
             </a:extLst>
           </p:cNvPr>
@@ -2801,7 +2801,7 @@
           <p:cNvPr id="3" name="文本占位符 2">
             <a:extLst>
               <a:ext uri="{FF2B5EF4-FFF2-40B4-BE49-F238E27FC236}">
-                <a16:creationId xmlns:a16="http://schemas.microsoft.com/office/drawing/2014/main" id="{B1FB1940-B0D4-1AD7-1FA4-F1741078ADC5}"/>
+                <a16:creationId xmlns:a16="http://schemas.microsoft.com/office/drawing/2014/main" id="{7B83F15F-9969-99C2-5E4B-260B943952C7}"/>
               </a:ext>
             </a:extLst>
           </p:cNvPr>
@@ -2868,7 +2868,7 @@
           <p:cNvPr id="4" name="日期占位符 3">
             <a:extLst>
               <a:ext uri="{FF2B5EF4-FFF2-40B4-BE49-F238E27FC236}">
-                <a16:creationId xmlns:a16="http://schemas.microsoft.com/office/drawing/2014/main" id="{3D6E549F-3A58-1468-D1F5-430F185A2C9D}"/>
+                <a16:creationId xmlns:a16="http://schemas.microsoft.com/office/drawing/2014/main" id="{AF836B5D-DBAF-C51C-679A-F6FE43057BA2}"/>
               </a:ext>
             </a:extLst>
           </p:cNvPr>
@@ -2902,7 +2902,7 @@
             </a:lvl1pPr>
           </a:lstStyle>
           <a:p>
-            <a:fld id="{E44F8706-D01F-4043-884B-C4D0C18BB98A}" type="datetimeFigureOut">
+            <a:fld id="{7299DF78-1806-4290-84D7-8F365ED437D2}" type="datetimeFigureOut">
               <a:rPr lang="zh-CN" altLang="en-US" smtClean="0"/>
               <a:t>2024/3/10</a:t>
             </a:fld>
@@ -2915,7 +2915,7 @@
           <p:cNvPr id="5" name="页脚占位符 4">
             <a:extLst>
               <a:ext uri="{FF2B5EF4-FFF2-40B4-BE49-F238E27FC236}">
-                <a16:creationId xmlns:a16="http://schemas.microsoft.com/office/drawing/2014/main" id="{2775B026-9FD6-C01E-1BAC-51DB965EF508}"/>
+                <a16:creationId xmlns:a16="http://schemas.microsoft.com/office/drawing/2014/main" id="{9406A696-17C5-5CE3-8574-1B962A37F46E}"/>
               </a:ext>
             </a:extLst>
           </p:cNvPr>
@@ -2958,7 +2958,7 @@
           <p:cNvPr id="6" name="灯片编号占位符 5">
             <a:extLst>
               <a:ext uri="{FF2B5EF4-FFF2-40B4-BE49-F238E27FC236}">
-                <a16:creationId xmlns:a16="http://schemas.microsoft.com/office/drawing/2014/main" id="{A49EB46F-2571-6D18-5DE2-AA0D09CED402}"/>
+                <a16:creationId xmlns:a16="http://schemas.microsoft.com/office/drawing/2014/main" id="{BF1D974D-0EEE-D14A-331A-13B54513F63B}"/>
               </a:ext>
             </a:extLst>
           </p:cNvPr>
@@ -2992,7 +2992,7 @@
             </a:lvl1pPr>
           </a:lstStyle>
           <a:p>
-            <a:fld id="{4F0D6C86-077F-42CB-94B2-8D628BDF29EE}" type="slidenum">
+            <a:fld id="{D5E93B1A-0ACD-4B57-A05D-CF9C032A5760}" type="slidenum">
               <a:rPr lang="zh-CN" altLang="en-US" smtClean="0"/>
               <a:t>‹#›</a:t>
             </a:fld>
@@ -3003,7 +3003,7 @@
     </p:spTree>
     <p:extLst>
       <p:ext uri="{BB962C8B-B14F-4D97-AF65-F5344CB8AC3E}">
-        <p14:creationId xmlns:p14="http://schemas.microsoft.com/office/powerpoint/2010/main" val="3154024843"/>
+        <p14:creationId xmlns:p14="http://schemas.microsoft.com/office/powerpoint/2010/main" val="813293473"/>
       </p:ext>
     </p:extLst>
   </p:cSld>
